--- a/PCB/08 report/prototype presentation modle.pptx
+++ b/PCB/08 report/prototype presentation modle.pptx
@@ -4,12 +4,18 @@
   <p:sldMasterIdLst>
     <p:sldMasterId id="2147483660" r:id="rId1"/>
   </p:sldMasterIdLst>
+  <p:notesMasterIdLst>
+    <p:notesMasterId r:id="rId10"/>
+  </p:notesMasterIdLst>
   <p:sldIdLst>
     <p:sldId id="256" r:id="rId2"/>
     <p:sldId id="257" r:id="rId3"/>
     <p:sldId id="259" r:id="rId4"/>
-    <p:sldId id="260" r:id="rId5"/>
-    <p:sldId id="261" r:id="rId6"/>
+    <p:sldId id="265" r:id="rId5"/>
+    <p:sldId id="264" r:id="rId6"/>
+    <p:sldId id="263" r:id="rId7"/>
+    <p:sldId id="260" r:id="rId8"/>
+    <p:sldId id="261" r:id="rId9"/>
   </p:sldIdLst>
   <p:sldSz cx="9144000" cy="6858000" type="screen4x3"/>
   <p:notesSz cx="6858000" cy="9144000"/>
@@ -996,11 +1002,7 @@
         <a:p>
           <a:r>
             <a:rPr lang="en-GB" dirty="0" smtClean="0"/>
-            <a:t>3. </a:t>
-          </a:r>
-          <a:r>
-            <a:rPr lang="en-GB" dirty="0" smtClean="0"/>
-            <a:t>Conclusion</a:t>
+            <a:t>3. Conclusion</a:t>
           </a:r>
           <a:endParaRPr lang="en-GB" dirty="0"/>
         </a:p>
@@ -1694,11 +1696,7 @@
           </a:pPr>
           <a:r>
             <a:rPr lang="en-GB" sz="4000" kern="1200" dirty="0" smtClean="0"/>
-            <a:t>3. </a:t>
-          </a:r>
-          <a:r>
-            <a:rPr lang="en-GB" sz="4000" kern="1200" dirty="0" smtClean="0"/>
-            <a:t>Conclusion</a:t>
+            <a:t>3. Conclusion</a:t>
           </a:r>
           <a:endParaRPr lang="en-GB" sz="4000" kern="1200" dirty="0"/>
         </a:p>
@@ -3364,6 +3362,440 @@
 </dgm:styleDef>
 </file>
 
+<file path=ppt/notesMasters/notesMaster1.xml><?xml version="1.0" encoding="utf-8"?>
+<p:notesMaster xmlns:a="http://schemas.openxmlformats.org/drawingml/2006/main" xmlns:r="http://schemas.openxmlformats.org/officeDocument/2006/relationships" xmlns:p="http://schemas.openxmlformats.org/presentationml/2006/main">
+  <p:cSld>
+    <p:bg>
+      <p:bgRef idx="1001">
+        <a:schemeClr val="bg1"/>
+      </p:bgRef>
+    </p:bg>
+    <p:spTree>
+      <p:nvGrpSpPr>
+        <p:cNvPr id="1" name=""/>
+        <p:cNvGrpSpPr/>
+        <p:nvPr/>
+      </p:nvGrpSpPr>
+      <p:grpSpPr>
+        <a:xfrm>
+          <a:off x="0" y="0"/>
+          <a:ext cx="0" cy="0"/>
+          <a:chOff x="0" y="0"/>
+          <a:chExt cx="0" cy="0"/>
+        </a:xfrm>
+      </p:grpSpPr>
+      <p:sp>
+        <p:nvSpPr>
+          <p:cNvPr id="2" name="页眉占位符 1"/>
+          <p:cNvSpPr>
+            <a:spLocks noGrp="1"/>
+          </p:cNvSpPr>
+          <p:nvPr>
+            <p:ph type="hdr" sz="quarter"/>
+          </p:nvPr>
+        </p:nvSpPr>
+        <p:spPr>
+          <a:xfrm>
+            <a:off x="0" y="0"/>
+            <a:ext cx="2971800" cy="457200"/>
+          </a:xfrm>
+          <a:prstGeom prst="rect">
+            <a:avLst/>
+          </a:prstGeom>
+        </p:spPr>
+        <p:txBody>
+          <a:bodyPr vert="horz" lIns="91440" tIns="45720" rIns="91440" bIns="45720" rtlCol="0"/>
+          <a:lstStyle>
+            <a:lvl1pPr algn="l">
+              <a:defRPr sz="1200"/>
+            </a:lvl1pPr>
+          </a:lstStyle>
+          <a:p>
+            <a:endParaRPr lang="zh-CN" altLang="en-US"/>
+          </a:p>
+        </p:txBody>
+      </p:sp>
+      <p:sp>
+        <p:nvSpPr>
+          <p:cNvPr id="3" name="日期占位符 2"/>
+          <p:cNvSpPr>
+            <a:spLocks noGrp="1"/>
+          </p:cNvSpPr>
+          <p:nvPr>
+            <p:ph type="dt" idx="1"/>
+          </p:nvPr>
+        </p:nvSpPr>
+        <p:spPr>
+          <a:xfrm>
+            <a:off x="3884613" y="0"/>
+            <a:ext cx="2971800" cy="457200"/>
+          </a:xfrm>
+          <a:prstGeom prst="rect">
+            <a:avLst/>
+          </a:prstGeom>
+        </p:spPr>
+        <p:txBody>
+          <a:bodyPr vert="horz" lIns="91440" tIns="45720" rIns="91440" bIns="45720" rtlCol="0"/>
+          <a:lstStyle>
+            <a:lvl1pPr algn="r">
+              <a:defRPr sz="1200"/>
+            </a:lvl1pPr>
+          </a:lstStyle>
+          <a:p>
+            <a:fld id="{AD1EC720-F108-4D8D-A12D-DA76B26E6CCE}" type="datetimeFigureOut">
+              <a:rPr lang="zh-CN" altLang="en-US" smtClean="0"/>
+              <a:t>2015/9/15</a:t>
+            </a:fld>
+            <a:endParaRPr lang="zh-CN" altLang="en-US"/>
+          </a:p>
+        </p:txBody>
+      </p:sp>
+      <p:sp>
+        <p:nvSpPr>
+          <p:cNvPr id="4" name="幻灯片图像占位符 3"/>
+          <p:cNvSpPr>
+            <a:spLocks noGrp="1" noRot="1" noChangeAspect="1"/>
+          </p:cNvSpPr>
+          <p:nvPr>
+            <p:ph type="sldImg" idx="2"/>
+          </p:nvPr>
+        </p:nvSpPr>
+        <p:spPr>
+          <a:xfrm>
+            <a:off x="1143000" y="685800"/>
+            <a:ext cx="4572000" cy="3429000"/>
+          </a:xfrm>
+          <a:prstGeom prst="rect">
+            <a:avLst/>
+          </a:prstGeom>
+          <a:noFill/>
+          <a:ln w="12700">
+            <a:solidFill>
+              <a:prstClr val="black"/>
+            </a:solidFill>
+          </a:ln>
+        </p:spPr>
+        <p:txBody>
+          <a:bodyPr vert="horz" lIns="91440" tIns="45720" rIns="91440" bIns="45720" rtlCol="0" anchor="ctr"/>
+          <a:lstStyle/>
+          <a:p>
+            <a:endParaRPr lang="zh-CN" altLang="en-US"/>
+          </a:p>
+        </p:txBody>
+      </p:sp>
+      <p:sp>
+        <p:nvSpPr>
+          <p:cNvPr id="5" name="备注占位符 4"/>
+          <p:cNvSpPr>
+            <a:spLocks noGrp="1"/>
+          </p:cNvSpPr>
+          <p:nvPr>
+            <p:ph type="body" sz="quarter" idx="3"/>
+          </p:nvPr>
+        </p:nvSpPr>
+        <p:spPr>
+          <a:xfrm>
+            <a:off x="685800" y="4343400"/>
+            <a:ext cx="5486400" cy="4114800"/>
+          </a:xfrm>
+          <a:prstGeom prst="rect">
+            <a:avLst/>
+          </a:prstGeom>
+        </p:spPr>
+        <p:txBody>
+          <a:bodyPr vert="horz" lIns="91440" tIns="45720" rIns="91440" bIns="45720" rtlCol="0"/>
+          <a:lstStyle/>
+          <a:p>
+            <a:pPr lvl="0"/>
+            <a:r>
+              <a:rPr lang="zh-CN" altLang="en-US" smtClean="0"/>
+              <a:t>单击此处编辑母版文本样式</a:t>
+            </a:r>
+          </a:p>
+          <a:p>
+            <a:pPr lvl="1"/>
+            <a:r>
+              <a:rPr lang="zh-CN" altLang="en-US" smtClean="0"/>
+              <a:t>第二级</a:t>
+            </a:r>
+          </a:p>
+          <a:p>
+            <a:pPr lvl="2"/>
+            <a:r>
+              <a:rPr lang="zh-CN" altLang="en-US" smtClean="0"/>
+              <a:t>第三级</a:t>
+            </a:r>
+          </a:p>
+          <a:p>
+            <a:pPr lvl="3"/>
+            <a:r>
+              <a:rPr lang="zh-CN" altLang="en-US" smtClean="0"/>
+              <a:t>第四级</a:t>
+            </a:r>
+          </a:p>
+          <a:p>
+            <a:pPr lvl="4"/>
+            <a:r>
+              <a:rPr lang="zh-CN" altLang="en-US" smtClean="0"/>
+              <a:t>第五级</a:t>
+            </a:r>
+            <a:endParaRPr lang="zh-CN" altLang="en-US"/>
+          </a:p>
+        </p:txBody>
+      </p:sp>
+      <p:sp>
+        <p:nvSpPr>
+          <p:cNvPr id="6" name="页脚占位符 5"/>
+          <p:cNvSpPr>
+            <a:spLocks noGrp="1"/>
+          </p:cNvSpPr>
+          <p:nvPr>
+            <p:ph type="ftr" sz="quarter" idx="4"/>
+          </p:nvPr>
+        </p:nvSpPr>
+        <p:spPr>
+          <a:xfrm>
+            <a:off x="0" y="8685213"/>
+            <a:ext cx="2971800" cy="457200"/>
+          </a:xfrm>
+          <a:prstGeom prst="rect">
+            <a:avLst/>
+          </a:prstGeom>
+        </p:spPr>
+        <p:txBody>
+          <a:bodyPr vert="horz" lIns="91440" tIns="45720" rIns="91440" bIns="45720" rtlCol="0" anchor="b"/>
+          <a:lstStyle>
+            <a:lvl1pPr algn="l">
+              <a:defRPr sz="1200"/>
+            </a:lvl1pPr>
+          </a:lstStyle>
+          <a:p>
+            <a:endParaRPr lang="zh-CN" altLang="en-US"/>
+          </a:p>
+        </p:txBody>
+      </p:sp>
+      <p:sp>
+        <p:nvSpPr>
+          <p:cNvPr id="7" name="灯片编号占位符 6"/>
+          <p:cNvSpPr>
+            <a:spLocks noGrp="1"/>
+          </p:cNvSpPr>
+          <p:nvPr>
+            <p:ph type="sldNum" sz="quarter" idx="5"/>
+          </p:nvPr>
+        </p:nvSpPr>
+        <p:spPr>
+          <a:xfrm>
+            <a:off x="3884613" y="8685213"/>
+            <a:ext cx="2971800" cy="457200"/>
+          </a:xfrm>
+          <a:prstGeom prst="rect">
+            <a:avLst/>
+          </a:prstGeom>
+        </p:spPr>
+        <p:txBody>
+          <a:bodyPr vert="horz" lIns="91440" tIns="45720" rIns="91440" bIns="45720" rtlCol="0" anchor="b"/>
+          <a:lstStyle>
+            <a:lvl1pPr algn="r">
+              <a:defRPr sz="1200"/>
+            </a:lvl1pPr>
+          </a:lstStyle>
+          <a:p>
+            <a:fld id="{297B9DBA-75C9-4498-B55B-8174C25D2DC8}" type="slidenum">
+              <a:rPr lang="zh-CN" altLang="en-US" smtClean="0"/>
+              <a:t>‹#›</a:t>
+            </a:fld>
+            <a:endParaRPr lang="zh-CN" altLang="en-US"/>
+          </a:p>
+        </p:txBody>
+      </p:sp>
+    </p:spTree>
+    <p:extLst>
+      <p:ext uri="{BB962C8B-B14F-4D97-AF65-F5344CB8AC3E}">
+        <p14:creationId xmlns:p14="http://schemas.microsoft.com/office/powerpoint/2010/main" val="838189015"/>
+      </p:ext>
+    </p:extLst>
+  </p:cSld>
+  <p:clrMap bg1="lt1" tx1="dk1" bg2="lt2" tx2="dk2" accent1="accent1" accent2="accent2" accent3="accent3" accent4="accent4" accent5="accent5" accent6="accent6" hlink="hlink" folHlink="folHlink"/>
+  <p:notesStyle>
+    <a:lvl1pPr marL="0" algn="l" defTabSz="914400" rtl="0" eaLnBrk="1" latinLnBrk="0" hangingPunct="1">
+      <a:defRPr sz="1200" kern="1200">
+        <a:solidFill>
+          <a:schemeClr val="tx1"/>
+        </a:solidFill>
+        <a:latin typeface="+mn-lt"/>
+        <a:ea typeface="+mn-ea"/>
+        <a:cs typeface="+mn-cs"/>
+      </a:defRPr>
+    </a:lvl1pPr>
+    <a:lvl2pPr marL="457200" algn="l" defTabSz="914400" rtl="0" eaLnBrk="1" latinLnBrk="0" hangingPunct="1">
+      <a:defRPr sz="1200" kern="1200">
+        <a:solidFill>
+          <a:schemeClr val="tx1"/>
+        </a:solidFill>
+        <a:latin typeface="+mn-lt"/>
+        <a:ea typeface="+mn-ea"/>
+        <a:cs typeface="+mn-cs"/>
+      </a:defRPr>
+    </a:lvl2pPr>
+    <a:lvl3pPr marL="914400" algn="l" defTabSz="914400" rtl="0" eaLnBrk="1" latinLnBrk="0" hangingPunct="1">
+      <a:defRPr sz="1200" kern="1200">
+        <a:solidFill>
+          <a:schemeClr val="tx1"/>
+        </a:solidFill>
+        <a:latin typeface="+mn-lt"/>
+        <a:ea typeface="+mn-ea"/>
+        <a:cs typeface="+mn-cs"/>
+      </a:defRPr>
+    </a:lvl3pPr>
+    <a:lvl4pPr marL="1371600" algn="l" defTabSz="914400" rtl="0" eaLnBrk="1" latinLnBrk="0" hangingPunct="1">
+      <a:defRPr sz="1200" kern="1200">
+        <a:solidFill>
+          <a:schemeClr val="tx1"/>
+        </a:solidFill>
+        <a:latin typeface="+mn-lt"/>
+        <a:ea typeface="+mn-ea"/>
+        <a:cs typeface="+mn-cs"/>
+      </a:defRPr>
+    </a:lvl4pPr>
+    <a:lvl5pPr marL="1828800" algn="l" defTabSz="914400" rtl="0" eaLnBrk="1" latinLnBrk="0" hangingPunct="1">
+      <a:defRPr sz="1200" kern="1200">
+        <a:solidFill>
+          <a:schemeClr val="tx1"/>
+        </a:solidFill>
+        <a:latin typeface="+mn-lt"/>
+        <a:ea typeface="+mn-ea"/>
+        <a:cs typeface="+mn-cs"/>
+      </a:defRPr>
+    </a:lvl5pPr>
+    <a:lvl6pPr marL="2286000" algn="l" defTabSz="914400" rtl="0" eaLnBrk="1" latinLnBrk="0" hangingPunct="1">
+      <a:defRPr sz="1200" kern="1200">
+        <a:solidFill>
+          <a:schemeClr val="tx1"/>
+        </a:solidFill>
+        <a:latin typeface="+mn-lt"/>
+        <a:ea typeface="+mn-ea"/>
+        <a:cs typeface="+mn-cs"/>
+      </a:defRPr>
+    </a:lvl6pPr>
+    <a:lvl7pPr marL="2743200" algn="l" defTabSz="914400" rtl="0" eaLnBrk="1" latinLnBrk="0" hangingPunct="1">
+      <a:defRPr sz="1200" kern="1200">
+        <a:solidFill>
+          <a:schemeClr val="tx1"/>
+        </a:solidFill>
+        <a:latin typeface="+mn-lt"/>
+        <a:ea typeface="+mn-ea"/>
+        <a:cs typeface="+mn-cs"/>
+      </a:defRPr>
+    </a:lvl7pPr>
+    <a:lvl8pPr marL="3200400" algn="l" defTabSz="914400" rtl="0" eaLnBrk="1" latinLnBrk="0" hangingPunct="1">
+      <a:defRPr sz="1200" kern="1200">
+        <a:solidFill>
+          <a:schemeClr val="tx1"/>
+        </a:solidFill>
+        <a:latin typeface="+mn-lt"/>
+        <a:ea typeface="+mn-ea"/>
+        <a:cs typeface="+mn-cs"/>
+      </a:defRPr>
+    </a:lvl8pPr>
+    <a:lvl9pPr marL="3657600" algn="l" defTabSz="914400" rtl="0" eaLnBrk="1" latinLnBrk="0" hangingPunct="1">
+      <a:defRPr sz="1200" kern="1200">
+        <a:solidFill>
+          <a:schemeClr val="tx1"/>
+        </a:solidFill>
+        <a:latin typeface="+mn-lt"/>
+        <a:ea typeface="+mn-ea"/>
+        <a:cs typeface="+mn-cs"/>
+      </a:defRPr>
+    </a:lvl9pPr>
+  </p:notesStyle>
+</p:notesMaster>
+</file>
+
+<file path=ppt/notesSlides/notesSlide1.xml><?xml version="1.0" encoding="utf-8"?>
+<p:notes xmlns:a="http://schemas.openxmlformats.org/drawingml/2006/main" xmlns:r="http://schemas.openxmlformats.org/officeDocument/2006/relationships" xmlns:p="http://schemas.openxmlformats.org/presentationml/2006/main">
+  <p:cSld>
+    <p:spTree>
+      <p:nvGrpSpPr>
+        <p:cNvPr id="1" name=""/>
+        <p:cNvGrpSpPr/>
+        <p:nvPr/>
+      </p:nvGrpSpPr>
+      <p:grpSpPr>
+        <a:xfrm>
+          <a:off x="0" y="0"/>
+          <a:ext cx="0" cy="0"/>
+          <a:chOff x="0" y="0"/>
+          <a:chExt cx="0" cy="0"/>
+        </a:xfrm>
+      </p:grpSpPr>
+      <p:sp>
+        <p:nvSpPr>
+          <p:cNvPr id="2" name="幻灯片图像占位符 1"/>
+          <p:cNvSpPr>
+            <a:spLocks noGrp="1" noRot="1" noChangeAspect="1"/>
+          </p:cNvSpPr>
+          <p:nvPr>
+            <p:ph type="sldImg"/>
+          </p:nvPr>
+        </p:nvSpPr>
+        <p:spPr/>
+      </p:sp>
+      <p:sp>
+        <p:nvSpPr>
+          <p:cNvPr id="3" name="备注占位符 2"/>
+          <p:cNvSpPr>
+            <a:spLocks noGrp="1"/>
+          </p:cNvSpPr>
+          <p:nvPr>
+            <p:ph type="body" idx="1"/>
+          </p:nvPr>
+        </p:nvSpPr>
+        <p:spPr/>
+        <p:txBody>
+          <a:bodyPr/>
+          <a:lstStyle/>
+          <a:p>
+            <a:endParaRPr lang="zh-CN" altLang="en-US" dirty="0"/>
+          </a:p>
+        </p:txBody>
+      </p:sp>
+      <p:sp>
+        <p:nvSpPr>
+          <p:cNvPr id="4" name="灯片编号占位符 3"/>
+          <p:cNvSpPr>
+            <a:spLocks noGrp="1"/>
+          </p:cNvSpPr>
+          <p:nvPr>
+            <p:ph type="sldNum" sz="quarter" idx="10"/>
+          </p:nvPr>
+        </p:nvSpPr>
+        <p:spPr/>
+        <p:txBody>
+          <a:bodyPr/>
+          <a:lstStyle/>
+          <a:p>
+            <a:fld id="{297B9DBA-75C9-4498-B55B-8174C25D2DC8}" type="slidenum">
+              <a:rPr lang="zh-CN" altLang="en-US" smtClean="0"/>
+              <a:t>6</a:t>
+            </a:fld>
+            <a:endParaRPr lang="zh-CN" altLang="en-US"/>
+          </a:p>
+        </p:txBody>
+      </p:sp>
+    </p:spTree>
+    <p:extLst>
+      <p:ext uri="{BB962C8B-B14F-4D97-AF65-F5344CB8AC3E}">
+        <p14:creationId xmlns:p14="http://schemas.microsoft.com/office/powerpoint/2010/main" val="2642841383"/>
+      </p:ext>
+    </p:extLst>
+  </p:cSld>
+  <p:clrMapOvr>
+    <a:masterClrMapping/>
+  </p:clrMapOvr>
+</p:notes>
+</file>
+
 <file path=ppt/slideLayouts/slideLayout1.xml><?xml version="1.0" encoding="utf-8"?>
 <p:sldLayout xmlns:a="http://schemas.openxmlformats.org/drawingml/2006/main" xmlns:r="http://schemas.openxmlformats.org/officeDocument/2006/relationships" xmlns:p="http://schemas.openxmlformats.org/presentationml/2006/main" type="title" preserve="1">
   <p:cSld name="标题幻灯片">
@@ -11594,6 +12026,111 @@
           </a:p>
         </p:txBody>
       </p:sp>
+      <p:sp>
+        <p:nvSpPr>
+          <p:cNvPr id="3" name="TextBox 2"/>
+          <p:cNvSpPr txBox="1"/>
+          <p:nvPr/>
+        </p:nvSpPr>
+        <p:spPr>
+          <a:xfrm>
+            <a:off x="284163" y="1725620"/>
+            <a:ext cx="3294743" cy="1138773"/>
+          </a:xfrm>
+          <a:prstGeom prst="rect">
+            <a:avLst/>
+          </a:prstGeom>
+          <a:noFill/>
+        </p:spPr>
+        <p:txBody>
+          <a:bodyPr wrap="square" rtlCol="0">
+            <a:spAutoFit/>
+          </a:bodyPr>
+          <a:lstStyle/>
+          <a:p>
+            <a:r>
+              <a:rPr lang="en-US" altLang="zh-CN" sz="3600" b="1" dirty="0"/>
+              <a:t>Sprint Planning</a:t>
+            </a:r>
+            <a:r>
+              <a:rPr lang="en-US" altLang="zh-CN" sz="3200" b="1" dirty="0"/>
+              <a:t/>
+            </a:r>
+            <a:br>
+              <a:rPr lang="en-US" altLang="zh-CN" sz="3200" b="1" dirty="0"/>
+            </a:br>
+            <a:endParaRPr lang="zh-CN" altLang="en-US" sz="3200" b="1" dirty="0"/>
+          </a:p>
+        </p:txBody>
+      </p:sp>
+      <p:sp>
+        <p:nvSpPr>
+          <p:cNvPr id="7" name="TextBox 6"/>
+          <p:cNvSpPr txBox="1"/>
+          <p:nvPr/>
+        </p:nvSpPr>
+        <p:spPr>
+          <a:xfrm>
+            <a:off x="2481942" y="2787463"/>
+            <a:ext cx="6662058" cy="2308324"/>
+          </a:xfrm>
+          <a:prstGeom prst="rect">
+            <a:avLst/>
+          </a:prstGeom>
+          <a:noFill/>
+        </p:spPr>
+        <p:txBody>
+          <a:bodyPr wrap="square" rtlCol="0">
+            <a:spAutoFit/>
+          </a:bodyPr>
+          <a:lstStyle/>
+          <a:p>
+            <a:pPr marL="285750" indent="-285750">
+              <a:lnSpc>
+                <a:spcPct val="150000"/>
+              </a:lnSpc>
+              <a:buFont typeface="Wingdings" pitchFamily="2" charset="2"/>
+              <a:buChar char="l"/>
+            </a:pPr>
+            <a:r>
+              <a:rPr lang="en-US" altLang="zh-CN" sz="3200" dirty="0"/>
+              <a:t> .NET and </a:t>
+            </a:r>
+            <a:r>
+              <a:rPr lang="en-US" altLang="zh-CN" sz="3200" dirty="0" err="1"/>
+              <a:t>MySql</a:t>
+            </a:r>
+            <a:endParaRPr lang="en-US" altLang="zh-CN" sz="3200" dirty="0"/>
+          </a:p>
+          <a:p>
+            <a:pPr marL="285750" indent="-285750">
+              <a:lnSpc>
+                <a:spcPct val="150000"/>
+              </a:lnSpc>
+              <a:buFont typeface="Wingdings" pitchFamily="2" charset="2"/>
+              <a:buChar char="l"/>
+            </a:pPr>
+            <a:r>
+              <a:rPr lang="en-US" altLang="zh-CN" sz="3200" dirty="0" smtClean="0"/>
+              <a:t>Estimate time</a:t>
+            </a:r>
+          </a:p>
+          <a:p>
+            <a:pPr marL="285750" indent="-285750">
+              <a:lnSpc>
+                <a:spcPct val="150000"/>
+              </a:lnSpc>
+              <a:buFont typeface="Wingdings" pitchFamily="2" charset="2"/>
+              <a:buChar char="l"/>
+            </a:pPr>
+            <a:r>
+              <a:rPr lang="en-US" altLang="zh-CN" sz="3200" dirty="0"/>
+              <a:t>Sprint Backlog</a:t>
+            </a:r>
+            <a:endParaRPr lang="zh-CN" altLang="en-US" sz="3200" dirty="0"/>
+          </a:p>
+        </p:txBody>
+      </p:sp>
     </p:spTree>
     <p:extLst>
       <p:ext uri="{BB962C8B-B14F-4D97-AF65-F5344CB8AC3E}">
@@ -11650,25 +12187,94 @@
           <a:p>
             <a:pPr lvl="0" algn="l"/>
             <a:r>
-              <a:rPr lang="en-GB" dirty="0" smtClean="0"/>
-              <a:t> </a:t>
-            </a:r>
-            <a:r>
-              <a:rPr lang="en-GB" altLang="zh-CN" sz="6000" dirty="0"/>
-              <a:t>2</a:t>
-            </a:r>
-            <a:r>
-              <a:rPr lang="en-GB" altLang="zh-CN" dirty="0"/>
-              <a:t>.Pototype display </a:t>
+              <a:rPr lang="en-US" altLang="zh-CN" sz="6000" dirty="0" smtClean="0"/>
+              <a:t>1</a:t>
+            </a:r>
+            <a:r>
+              <a:rPr lang="en-US" altLang="zh-CN" dirty="0" smtClean="0"/>
+              <a:t>.Process </a:t>
+            </a:r>
+            <a:r>
+              <a:rPr lang="en-US" altLang="zh-CN" dirty="0"/>
+              <a:t>of the first sprint</a:t>
             </a:r>
             <a:endParaRPr lang="en-GB" altLang="zh-CN" dirty="0"/>
           </a:p>
         </p:txBody>
       </p:sp>
+      <p:sp>
+        <p:nvSpPr>
+          <p:cNvPr id="3" name="矩形 2"/>
+          <p:cNvSpPr/>
+          <p:nvPr/>
+        </p:nvSpPr>
+        <p:spPr>
+          <a:xfrm>
+            <a:off x="255135" y="1714334"/>
+            <a:ext cx="4572000" cy="923330"/>
+          </a:xfrm>
+          <a:prstGeom prst="rect">
+            <a:avLst/>
+          </a:prstGeom>
+        </p:spPr>
+        <p:txBody>
+          <a:bodyPr>
+            <a:spAutoFit/>
+          </a:bodyPr>
+          <a:lstStyle/>
+          <a:p>
+            <a:r>
+              <a:rPr lang="en-US" altLang="zh-CN" sz="3600" b="1" dirty="0"/>
+              <a:t>Daily Scrum</a:t>
+            </a:r>
+            <a:r>
+              <a:rPr lang="en-US" altLang="zh-CN" dirty="0"/>
+              <a:t/>
+            </a:r>
+            <a:br>
+              <a:rPr lang="en-US" altLang="zh-CN" dirty="0"/>
+            </a:br>
+            <a:endParaRPr lang="zh-CN" altLang="en-US" dirty="0"/>
+          </a:p>
+        </p:txBody>
+      </p:sp>
+      <p:pic>
+        <p:nvPicPr>
+          <p:cNvPr id="5" name="Picture 4"/>
+          <p:cNvPicPr/>
+          <p:nvPr/>
+        </p:nvPicPr>
+        <p:blipFill>
+          <a:blip r:embed="rId2" cstate="email">
+            <a:extLst>
+              <a:ext uri="{28A0092B-C50C-407E-A947-70E740481C1C}">
+                <a14:useLocalDpi xmlns:a14="http://schemas.microsoft.com/office/drawing/2010/main" val="0"/>
+              </a:ext>
+            </a:extLst>
+          </a:blip>
+          <a:srcRect/>
+          <a:stretch>
+            <a:fillRect/>
+          </a:stretch>
+        </p:blipFill>
+        <p:spPr bwMode="auto">
+          <a:xfrm>
+            <a:off x="1787797" y="2637664"/>
+            <a:ext cx="5278120" cy="3298825"/>
+          </a:xfrm>
+          <a:prstGeom prst="rect">
+            <a:avLst/>
+          </a:prstGeom>
+          <a:noFill/>
+          <a:ln>
+            <a:noFill/>
+          </a:ln>
+        </p:spPr>
+      </p:pic>
     </p:spTree>
     <p:extLst>
       <p:ext uri="{BB962C8B-B14F-4D97-AF65-F5344CB8AC3E}">
-        <p14:creationId xmlns:p14="http://schemas.microsoft.com/office/powerpoint/2010/main" val="3326875674"/>
+        <p14:creationId xmlns:p14="http://schemas.microsoft.com/office/powerpoint/2010/main" val="3659364096"/>
       </p:ext>
     </p:extLst>
   </p:cSld>
@@ -11714,15 +12320,460 @@
         </p:nvSpPr>
         <p:spPr/>
         <p:txBody>
+          <a:bodyPr>
+            <a:normAutofit fontScale="90000"/>
+          </a:bodyPr>
+          <a:lstStyle/>
+          <a:p>
+            <a:pPr lvl="0" algn="l"/>
+            <a:r>
+              <a:rPr lang="en-US" altLang="zh-CN" sz="6000" dirty="0" smtClean="0"/>
+              <a:t>1</a:t>
+            </a:r>
+            <a:r>
+              <a:rPr lang="en-US" altLang="zh-CN" dirty="0" smtClean="0"/>
+              <a:t>.Process </a:t>
+            </a:r>
+            <a:r>
+              <a:rPr lang="en-US" altLang="zh-CN" dirty="0"/>
+              <a:t>of the first sprint</a:t>
+            </a:r>
+            <a:endParaRPr lang="en-GB" altLang="zh-CN" dirty="0"/>
+          </a:p>
+        </p:txBody>
+      </p:sp>
+      <p:sp>
+        <p:nvSpPr>
+          <p:cNvPr id="3" name="矩形 2"/>
+          <p:cNvSpPr/>
+          <p:nvPr/>
+        </p:nvSpPr>
+        <p:spPr>
+          <a:xfrm>
+            <a:off x="255135" y="1714334"/>
+            <a:ext cx="4572000" cy="923330"/>
+          </a:xfrm>
+          <a:prstGeom prst="rect">
+            <a:avLst/>
+          </a:prstGeom>
+        </p:spPr>
+        <p:txBody>
+          <a:bodyPr>
+            <a:spAutoFit/>
+          </a:bodyPr>
+          <a:lstStyle/>
+          <a:p>
+            <a:r>
+              <a:rPr lang="en-US" altLang="zh-CN" sz="3600" b="1" dirty="0"/>
+              <a:t>Daily Scrum</a:t>
+            </a:r>
+            <a:r>
+              <a:rPr lang="en-US" altLang="zh-CN" dirty="0"/>
+              <a:t/>
+            </a:r>
+            <a:br>
+              <a:rPr lang="en-US" altLang="zh-CN" dirty="0"/>
+            </a:br>
+            <a:endParaRPr lang="zh-CN" altLang="en-US" dirty="0"/>
+          </a:p>
+        </p:txBody>
+      </p:sp>
+      <p:sp>
+        <p:nvSpPr>
+          <p:cNvPr id="6" name="TextBox 5"/>
+          <p:cNvSpPr txBox="1"/>
+          <p:nvPr/>
+        </p:nvSpPr>
+        <p:spPr>
+          <a:xfrm>
+            <a:off x="2481942" y="2787464"/>
+            <a:ext cx="6662058" cy="2585323"/>
+          </a:xfrm>
+          <a:prstGeom prst="rect">
+            <a:avLst/>
+          </a:prstGeom>
+          <a:noFill/>
+        </p:spPr>
+        <p:txBody>
+          <a:bodyPr wrap="square" rtlCol="0">
+            <a:spAutoFit/>
+          </a:bodyPr>
+          <a:lstStyle/>
+          <a:p>
+            <a:pPr marL="285750" indent="-285750">
+              <a:lnSpc>
+                <a:spcPct val="150000"/>
+              </a:lnSpc>
+              <a:buFont typeface="Wingdings" pitchFamily="2" charset="2"/>
+              <a:buChar char="l"/>
+            </a:pPr>
+            <a:r>
+              <a:rPr lang="en-US" altLang="zh-CN" sz="3200" dirty="0" smtClean="0"/>
+              <a:t> Every </a:t>
+            </a:r>
+            <a:r>
+              <a:rPr lang="en-US" altLang="zh-CN" sz="3200" dirty="0"/>
+              <a:t>two </a:t>
+            </a:r>
+            <a:r>
+              <a:rPr lang="en-US" altLang="zh-CN" sz="3200" dirty="0" smtClean="0"/>
+              <a:t>days</a:t>
+            </a:r>
+          </a:p>
+          <a:p>
+            <a:pPr marL="285750" indent="-285750">
+              <a:lnSpc>
+                <a:spcPct val="150000"/>
+              </a:lnSpc>
+              <a:buFont typeface="Wingdings" pitchFamily="2" charset="2"/>
+              <a:buChar char="l"/>
+            </a:pPr>
+            <a:r>
+              <a:rPr lang="en-US" altLang="zh-CN" sz="3200" dirty="0"/>
+              <a:t> </a:t>
+            </a:r>
+            <a:r>
+              <a:rPr lang="en-US" altLang="zh-CN" sz="3200" dirty="0" smtClean="0"/>
+              <a:t>Help </a:t>
+            </a:r>
+            <a:r>
+              <a:rPr lang="en-US" altLang="zh-CN" sz="3200" dirty="0"/>
+              <a:t>each </a:t>
+            </a:r>
+            <a:r>
+              <a:rPr lang="en-US" altLang="zh-CN" sz="3200" dirty="0" smtClean="0"/>
+              <a:t>other</a:t>
+            </a:r>
+          </a:p>
+          <a:p>
+            <a:pPr marL="285750" indent="-285750">
+              <a:lnSpc>
+                <a:spcPct val="150000"/>
+              </a:lnSpc>
+              <a:buFont typeface="Wingdings" pitchFamily="2" charset="2"/>
+              <a:buChar char="l"/>
+            </a:pPr>
+            <a:r>
+              <a:rPr lang="en-US" altLang="zh-CN" sz="3200" dirty="0" smtClean="0"/>
+              <a:t>Solve problems</a:t>
+            </a:r>
+          </a:p>
+          <a:p>
+            <a:pPr marL="285750" indent="-285750">
+              <a:buFont typeface="Wingdings" pitchFamily="2" charset="2"/>
+              <a:buChar char="l"/>
+            </a:pPr>
+            <a:endParaRPr lang="zh-CN" altLang="en-US" dirty="0"/>
+          </a:p>
+        </p:txBody>
+      </p:sp>
+    </p:spTree>
+    <p:extLst>
+      <p:ext uri="{BB962C8B-B14F-4D97-AF65-F5344CB8AC3E}">
+        <p14:creationId xmlns:p14="http://schemas.microsoft.com/office/powerpoint/2010/main" val="1865518303"/>
+      </p:ext>
+    </p:extLst>
+  </p:cSld>
+  <p:clrMapOvr>
+    <a:masterClrMapping/>
+  </p:clrMapOvr>
+  <p:timing>
+    <p:tnLst>
+      <p:par>
+        <p:cTn id="1" dur="indefinite" restart="never" nodeType="tmRoot"/>
+      </p:par>
+    </p:tnLst>
+  </p:timing>
+</p:sld>
+</file>
+
+<file path=ppt/slides/slide6.xml><?xml version="1.0" encoding="utf-8"?>
+<p:sld xmlns:a="http://schemas.openxmlformats.org/drawingml/2006/main" xmlns:r="http://schemas.openxmlformats.org/officeDocument/2006/relationships" xmlns:p="http://schemas.openxmlformats.org/presentationml/2006/main">
+  <p:cSld>
+    <p:spTree>
+      <p:nvGrpSpPr>
+        <p:cNvPr id="1" name=""/>
+        <p:cNvGrpSpPr/>
+        <p:nvPr/>
+      </p:nvGrpSpPr>
+      <p:grpSpPr>
+        <a:xfrm>
+          <a:off x="0" y="0"/>
+          <a:ext cx="0" cy="0"/>
+          <a:chOff x="0" y="0"/>
+          <a:chExt cx="0" cy="0"/>
+        </a:xfrm>
+      </p:grpSpPr>
+      <p:sp>
+        <p:nvSpPr>
+          <p:cNvPr id="2" name="标题 1"/>
+          <p:cNvSpPr>
+            <a:spLocks noGrp="1"/>
+          </p:cNvSpPr>
+          <p:nvPr>
+            <p:ph type="title"/>
+          </p:nvPr>
+        </p:nvSpPr>
+        <p:spPr/>
+        <p:txBody>
+          <a:bodyPr>
+            <a:normAutofit fontScale="90000"/>
+          </a:bodyPr>
+          <a:lstStyle/>
+          <a:p>
+            <a:pPr lvl="0" algn="l"/>
+            <a:r>
+              <a:rPr lang="en-US" altLang="zh-CN" sz="6000" dirty="0" smtClean="0"/>
+              <a:t>1</a:t>
+            </a:r>
+            <a:r>
+              <a:rPr lang="en-US" altLang="zh-CN" dirty="0" smtClean="0"/>
+              <a:t>.Process </a:t>
+            </a:r>
+            <a:r>
+              <a:rPr lang="en-US" altLang="zh-CN" dirty="0"/>
+              <a:t>of the first sprint</a:t>
+            </a:r>
+            <a:endParaRPr lang="en-GB" altLang="zh-CN" dirty="0"/>
+          </a:p>
+        </p:txBody>
+      </p:sp>
+      <p:sp>
+        <p:nvSpPr>
+          <p:cNvPr id="3" name="矩形 2"/>
+          <p:cNvSpPr/>
+          <p:nvPr/>
+        </p:nvSpPr>
+        <p:spPr>
+          <a:xfrm>
+            <a:off x="284163" y="1799549"/>
+            <a:ext cx="4572000" cy="861774"/>
+          </a:xfrm>
+          <a:prstGeom prst="rect">
+            <a:avLst/>
+          </a:prstGeom>
+        </p:spPr>
+        <p:txBody>
+          <a:bodyPr>
+            <a:spAutoFit/>
+          </a:bodyPr>
+          <a:lstStyle/>
+          <a:p>
+            <a:r>
+              <a:rPr lang="en-US" altLang="zh-CN" sz="3200" b="1" dirty="0"/>
+              <a:t>Sprint Review</a:t>
+            </a:r>
+            <a:r>
+              <a:rPr lang="en-US" altLang="zh-CN" dirty="0"/>
+              <a:t/>
+            </a:r>
+            <a:br>
+              <a:rPr lang="en-US" altLang="zh-CN" dirty="0"/>
+            </a:br>
+            <a:endParaRPr lang="zh-CN" altLang="en-US" dirty="0"/>
+          </a:p>
+        </p:txBody>
+      </p:sp>
+      <p:sp>
+        <p:nvSpPr>
+          <p:cNvPr id="4" name="TextBox 3"/>
+          <p:cNvSpPr txBox="1"/>
+          <p:nvPr/>
+        </p:nvSpPr>
+        <p:spPr>
+          <a:xfrm>
+            <a:off x="2387599" y="3048721"/>
+            <a:ext cx="6662058" cy="1846659"/>
+          </a:xfrm>
+          <a:prstGeom prst="rect">
+            <a:avLst/>
+          </a:prstGeom>
+          <a:noFill/>
+        </p:spPr>
+        <p:txBody>
+          <a:bodyPr wrap="square" rtlCol="0">
+            <a:spAutoFit/>
+          </a:bodyPr>
+          <a:lstStyle/>
+          <a:p>
+            <a:pPr marL="285750" indent="-285750">
+              <a:lnSpc>
+                <a:spcPct val="150000"/>
+              </a:lnSpc>
+              <a:buFont typeface="Wingdings" pitchFamily="2" charset="2"/>
+              <a:buChar char="l"/>
+            </a:pPr>
+            <a:r>
+              <a:rPr lang="en-US" altLang="zh-CN" sz="3200" dirty="0" smtClean="0"/>
+              <a:t>Presented </a:t>
+            </a:r>
+            <a:r>
+              <a:rPr lang="en-US" altLang="zh-CN" sz="3200" dirty="0"/>
+              <a:t>our achievement</a:t>
+            </a:r>
+            <a:endParaRPr lang="en-US" altLang="zh-CN" sz="3200" dirty="0" smtClean="0"/>
+          </a:p>
+          <a:p>
+            <a:pPr marL="285750" indent="-285750">
+              <a:lnSpc>
+                <a:spcPct val="150000"/>
+              </a:lnSpc>
+              <a:buFont typeface="Wingdings" pitchFamily="2" charset="2"/>
+              <a:buChar char="l"/>
+            </a:pPr>
+            <a:r>
+              <a:rPr lang="en-US" altLang="zh-CN" sz="3200" dirty="0" smtClean="0"/>
+              <a:t>Get </a:t>
+            </a:r>
+            <a:r>
+              <a:rPr lang="en-US" altLang="zh-CN" sz="3200" dirty="0"/>
+              <a:t>his </a:t>
+            </a:r>
+            <a:r>
+              <a:rPr lang="en-US" altLang="zh-CN" sz="3200" dirty="0" smtClean="0"/>
+              <a:t>feedback</a:t>
+            </a:r>
+          </a:p>
+          <a:p>
+            <a:pPr marL="285750" indent="-285750">
+              <a:buFont typeface="Wingdings" pitchFamily="2" charset="2"/>
+              <a:buChar char="l"/>
+            </a:pPr>
+            <a:endParaRPr lang="zh-CN" altLang="en-US" dirty="0"/>
+          </a:p>
+        </p:txBody>
+      </p:sp>
+    </p:spTree>
+    <p:extLst>
+      <p:ext uri="{BB962C8B-B14F-4D97-AF65-F5344CB8AC3E}">
+        <p14:creationId xmlns:p14="http://schemas.microsoft.com/office/powerpoint/2010/main" val="1101885837"/>
+      </p:ext>
+    </p:extLst>
+  </p:cSld>
+  <p:clrMapOvr>
+    <a:masterClrMapping/>
+  </p:clrMapOvr>
+  <p:timing>
+    <p:tnLst>
+      <p:par>
+        <p:cTn id="1" dur="indefinite" restart="never" nodeType="tmRoot"/>
+      </p:par>
+    </p:tnLst>
+  </p:timing>
+</p:sld>
+</file>
+
+<file path=ppt/slides/slide7.xml><?xml version="1.0" encoding="utf-8"?>
+<p:sld xmlns:a="http://schemas.openxmlformats.org/drawingml/2006/main" xmlns:r="http://schemas.openxmlformats.org/officeDocument/2006/relationships" xmlns:p="http://schemas.openxmlformats.org/presentationml/2006/main">
+  <p:cSld>
+    <p:spTree>
+      <p:nvGrpSpPr>
+        <p:cNvPr id="1" name=""/>
+        <p:cNvGrpSpPr/>
+        <p:nvPr/>
+      </p:nvGrpSpPr>
+      <p:grpSpPr>
+        <a:xfrm>
+          <a:off x="0" y="0"/>
+          <a:ext cx="0" cy="0"/>
+          <a:chOff x="0" y="0"/>
+          <a:chExt cx="0" cy="0"/>
+        </a:xfrm>
+      </p:grpSpPr>
+      <p:sp>
+        <p:nvSpPr>
+          <p:cNvPr id="2" name="标题 1"/>
+          <p:cNvSpPr>
+            <a:spLocks noGrp="1"/>
+          </p:cNvSpPr>
+          <p:nvPr>
+            <p:ph type="title"/>
+          </p:nvPr>
+        </p:nvSpPr>
+        <p:spPr/>
+        <p:txBody>
+          <a:bodyPr>
+            <a:normAutofit fontScale="90000"/>
+          </a:bodyPr>
+          <a:lstStyle/>
+          <a:p>
+            <a:pPr lvl="0" algn="l"/>
+            <a:r>
+              <a:rPr lang="en-GB" dirty="0" smtClean="0"/>
+              <a:t> </a:t>
+            </a:r>
+            <a:r>
+              <a:rPr lang="en-GB" altLang="zh-CN" sz="6000" dirty="0"/>
+              <a:t>2</a:t>
+            </a:r>
+            <a:r>
+              <a:rPr lang="en-GB" altLang="zh-CN" dirty="0"/>
+              <a:t>.Pototype display </a:t>
+            </a:r>
+          </a:p>
+        </p:txBody>
+      </p:sp>
+    </p:spTree>
+    <p:extLst>
+      <p:ext uri="{BB962C8B-B14F-4D97-AF65-F5344CB8AC3E}">
+        <p14:creationId xmlns:p14="http://schemas.microsoft.com/office/powerpoint/2010/main" val="3326875674"/>
+      </p:ext>
+    </p:extLst>
+  </p:cSld>
+  <p:clrMapOvr>
+    <a:masterClrMapping/>
+  </p:clrMapOvr>
+  <p:timing>
+    <p:tnLst>
+      <p:par>
+        <p:cTn id="1" dur="indefinite" restart="never" nodeType="tmRoot"/>
+      </p:par>
+    </p:tnLst>
+  </p:timing>
+</p:sld>
+</file>
+
+<file path=ppt/slides/slide8.xml><?xml version="1.0" encoding="utf-8"?>
+<p:sld xmlns:a="http://schemas.openxmlformats.org/drawingml/2006/main" xmlns:r="http://schemas.openxmlformats.org/officeDocument/2006/relationships" xmlns:p="http://schemas.openxmlformats.org/presentationml/2006/main">
+  <p:cSld>
+    <p:spTree>
+      <p:nvGrpSpPr>
+        <p:cNvPr id="1" name=""/>
+        <p:cNvGrpSpPr/>
+        <p:nvPr/>
+      </p:nvGrpSpPr>
+      <p:grpSpPr>
+        <a:xfrm>
+          <a:off x="0" y="0"/>
+          <a:ext cx="0" cy="0"/>
+          <a:chOff x="0" y="0"/>
+          <a:chExt cx="0" cy="0"/>
+        </a:xfrm>
+      </p:grpSpPr>
+      <p:sp>
+        <p:nvSpPr>
+          <p:cNvPr id="2" name="标题 1"/>
+          <p:cNvSpPr>
+            <a:spLocks noGrp="1"/>
+          </p:cNvSpPr>
+          <p:nvPr>
+            <p:ph type="title"/>
+          </p:nvPr>
+        </p:nvSpPr>
+        <p:spPr/>
+        <p:txBody>
           <a:bodyPr/>
           <a:lstStyle/>
           <a:p>
             <a:pPr lvl="0" algn="l"/>
             <a:r>
+              <a:rPr lang="en-GB" altLang="zh-CN" sz="5400" dirty="0"/>
+              <a:t>3</a:t>
+            </a:r>
+            <a:r>
               <a:rPr lang="en-GB" altLang="zh-CN" dirty="0"/>
-              <a:t>3. Conclusion</a:t>
-            </a:r>
-            <a:endParaRPr lang="en-GB" altLang="zh-CN" dirty="0"/>
+              <a:t>. Conclusion</a:t>
+            </a:r>
           </a:p>
         </p:txBody>
       </p:sp>
@@ -12003,4 +13054,289 @@
   </a:objectDefaults>
   <a:extraClrSchemeLst/>
 </a:theme>
+</file>
+
+<file path=ppt/theme/theme2.xml><?xml version="1.0" encoding="utf-8"?>
+<a:theme xmlns:a="http://schemas.openxmlformats.org/drawingml/2006/main" name="Office 主题​​">
+  <a:themeElements>
+    <a:clrScheme name="Office">
+      <a:dk1>
+        <a:sysClr val="windowText" lastClr="000000"/>
+      </a:dk1>
+      <a:lt1>
+        <a:sysClr val="window" lastClr="FFFFFF"/>
+      </a:lt1>
+      <a:dk2>
+        <a:srgbClr val="1F497D"/>
+      </a:dk2>
+      <a:lt2>
+        <a:srgbClr val="EEECE1"/>
+      </a:lt2>
+      <a:accent1>
+        <a:srgbClr val="4F81BD"/>
+      </a:accent1>
+      <a:accent2>
+        <a:srgbClr val="C0504D"/>
+      </a:accent2>
+      <a:accent3>
+        <a:srgbClr val="9BBB59"/>
+      </a:accent3>
+      <a:accent4>
+        <a:srgbClr val="8064A2"/>
+      </a:accent4>
+      <a:accent5>
+        <a:srgbClr val="4BACC6"/>
+      </a:accent5>
+      <a:accent6>
+        <a:srgbClr val="F79646"/>
+      </a:accent6>
+      <a:hlink>
+        <a:srgbClr val="0000FF"/>
+      </a:hlink>
+      <a:folHlink>
+        <a:srgbClr val="800080"/>
+      </a:folHlink>
+    </a:clrScheme>
+    <a:fontScheme name="Office">
+      <a:majorFont>
+        <a:latin typeface="Calibri"/>
+        <a:ea typeface=""/>
+        <a:cs typeface=""/>
+        <a:font script="Jpan" typeface="ＭＳ Ｐゴシック"/>
+        <a:font script="Hang" typeface="맑은 고딕"/>
+        <a:font script="Hans" typeface="宋体"/>
+        <a:font script="Hant" typeface="新細明體"/>
+        <a:font script="Arab" typeface="Times New Roman"/>
+        <a:font script="Hebr" typeface="Times New Roman"/>
+        <a:font script="Thai" typeface="Angsana New"/>
+        <a:font script="Ethi" typeface="Nyala"/>
+        <a:font script="Beng" typeface="Vrinda"/>
+        <a:font script="Gujr" typeface="Shruti"/>
+        <a:font script="Khmr" typeface="MoolBoran"/>
+        <a:font script="Knda" typeface="Tunga"/>
+        <a:font script="Guru" typeface="Raavi"/>
+        <a:font script="Cans" typeface="Euphemia"/>
+        <a:font script="Cher" typeface="Plantagenet Cherokee"/>
+        <a:font script="Yiii" typeface="Microsoft Yi Baiti"/>
+        <a:font script="Tibt" typeface="Microsoft Himalaya"/>
+        <a:font script="Thaa" typeface="MV Boli"/>
+        <a:font script="Deva" typeface="Mangal"/>
+        <a:font script="Telu" typeface="Gautami"/>
+        <a:font script="Taml" typeface="Latha"/>
+        <a:font script="Syrc" typeface="Estrangelo Edessa"/>
+        <a:font script="Orya" typeface="Kalinga"/>
+        <a:font script="Mlym" typeface="Kartika"/>
+        <a:font script="Laoo" typeface="DokChampa"/>
+        <a:font script="Sinh" typeface="Iskoola Pota"/>
+        <a:font script="Mong" typeface="Mongolian Baiti"/>
+        <a:font script="Viet" typeface="Times New Roman"/>
+        <a:font script="Uigh" typeface="Microsoft Uighur"/>
+        <a:font script="Geor" typeface="Sylfaen"/>
+      </a:majorFont>
+      <a:minorFont>
+        <a:latin typeface="Calibri"/>
+        <a:ea typeface=""/>
+        <a:cs typeface=""/>
+        <a:font script="Jpan" typeface="ＭＳ Ｐゴシック"/>
+        <a:font script="Hang" typeface="맑은 고딕"/>
+        <a:font script="Hans" typeface="宋体"/>
+        <a:font script="Hant" typeface="新細明體"/>
+        <a:font script="Arab" typeface="Arial"/>
+        <a:font script="Hebr" typeface="Arial"/>
+        <a:font script="Thai" typeface="Cordia New"/>
+        <a:font script="Ethi" typeface="Nyala"/>
+        <a:font script="Beng" typeface="Vrinda"/>
+        <a:font script="Gujr" typeface="Shruti"/>
+        <a:font script="Khmr" typeface="DaunPenh"/>
+        <a:font script="Knda" typeface="Tunga"/>
+        <a:font script="Guru" typeface="Raavi"/>
+        <a:font script="Cans" typeface="Euphemia"/>
+        <a:font script="Cher" typeface="Plantagenet Cherokee"/>
+        <a:font script="Yiii" typeface="Microsoft Yi Baiti"/>
+        <a:font script="Tibt" typeface="Microsoft Himalaya"/>
+        <a:font script="Thaa" typeface="MV Boli"/>
+        <a:font script="Deva" typeface="Mangal"/>
+        <a:font script="Telu" typeface="Gautami"/>
+        <a:font script="Taml" typeface="Latha"/>
+        <a:font script="Syrc" typeface="Estrangelo Edessa"/>
+        <a:font script="Orya" typeface="Kalinga"/>
+        <a:font script="Mlym" typeface="Kartika"/>
+        <a:font script="Laoo" typeface="DokChampa"/>
+        <a:font script="Sinh" typeface="Iskoola Pota"/>
+        <a:font script="Mong" typeface="Mongolian Baiti"/>
+        <a:font script="Viet" typeface="Arial"/>
+        <a:font script="Uigh" typeface="Microsoft Uighur"/>
+        <a:font script="Geor" typeface="Sylfaen"/>
+      </a:minorFont>
+    </a:fontScheme>
+    <a:fmtScheme name="Office">
+      <a:fillStyleLst>
+        <a:solidFill>
+          <a:schemeClr val="phClr"/>
+        </a:solidFill>
+        <a:gradFill rotWithShape="1">
+          <a:gsLst>
+            <a:gs pos="0">
+              <a:schemeClr val="phClr">
+                <a:tint val="50000"/>
+                <a:satMod val="300000"/>
+              </a:schemeClr>
+            </a:gs>
+            <a:gs pos="35000">
+              <a:schemeClr val="phClr">
+                <a:tint val="37000"/>
+                <a:satMod val="300000"/>
+              </a:schemeClr>
+            </a:gs>
+            <a:gs pos="100000">
+              <a:schemeClr val="phClr">
+                <a:tint val="15000"/>
+                <a:satMod val="350000"/>
+              </a:schemeClr>
+            </a:gs>
+          </a:gsLst>
+          <a:lin ang="16200000" scaled="1"/>
+        </a:gradFill>
+        <a:gradFill rotWithShape="1">
+          <a:gsLst>
+            <a:gs pos="0">
+              <a:schemeClr val="phClr">
+                <a:shade val="51000"/>
+                <a:satMod val="130000"/>
+              </a:schemeClr>
+            </a:gs>
+            <a:gs pos="80000">
+              <a:schemeClr val="phClr">
+                <a:shade val="93000"/>
+                <a:satMod val="130000"/>
+              </a:schemeClr>
+            </a:gs>
+            <a:gs pos="100000">
+              <a:schemeClr val="phClr">
+                <a:shade val="94000"/>
+                <a:satMod val="135000"/>
+              </a:schemeClr>
+            </a:gs>
+          </a:gsLst>
+          <a:lin ang="16200000" scaled="0"/>
+        </a:gradFill>
+      </a:fillStyleLst>
+      <a:lnStyleLst>
+        <a:ln w="9525" cap="flat" cmpd="sng" algn="ctr">
+          <a:solidFill>
+            <a:schemeClr val="phClr">
+              <a:shade val="95000"/>
+              <a:satMod val="105000"/>
+            </a:schemeClr>
+          </a:solidFill>
+          <a:prstDash val="solid"/>
+        </a:ln>
+        <a:ln w="25400" cap="flat" cmpd="sng" algn="ctr">
+          <a:solidFill>
+            <a:schemeClr val="phClr"/>
+          </a:solidFill>
+          <a:prstDash val="solid"/>
+        </a:ln>
+        <a:ln w="38100" cap="flat" cmpd="sng" algn="ctr">
+          <a:solidFill>
+            <a:schemeClr val="phClr"/>
+          </a:solidFill>
+          <a:prstDash val="solid"/>
+        </a:ln>
+      </a:lnStyleLst>
+      <a:effectStyleLst>
+        <a:effectStyle>
+          <a:effectLst>
+            <a:outerShdw blurRad="40000" dist="20000" dir="5400000" rotWithShape="0">
+              <a:srgbClr val="000000">
+                <a:alpha val="38000"/>
+              </a:srgbClr>
+            </a:outerShdw>
+          </a:effectLst>
+        </a:effectStyle>
+        <a:effectStyle>
+          <a:effectLst>
+            <a:outerShdw blurRad="40000" dist="23000" dir="5400000" rotWithShape="0">
+              <a:srgbClr val="000000">
+                <a:alpha val="35000"/>
+              </a:srgbClr>
+            </a:outerShdw>
+          </a:effectLst>
+        </a:effectStyle>
+        <a:effectStyle>
+          <a:effectLst>
+            <a:outerShdw blurRad="40000" dist="23000" dir="5400000" rotWithShape="0">
+              <a:srgbClr val="000000">
+                <a:alpha val="35000"/>
+              </a:srgbClr>
+            </a:outerShdw>
+          </a:effectLst>
+          <a:scene3d>
+            <a:camera prst="orthographicFront">
+              <a:rot lat="0" lon="0" rev="0"/>
+            </a:camera>
+            <a:lightRig rig="threePt" dir="t">
+              <a:rot lat="0" lon="0" rev="1200000"/>
+            </a:lightRig>
+          </a:scene3d>
+          <a:sp3d>
+            <a:bevelT w="63500" h="25400"/>
+          </a:sp3d>
+        </a:effectStyle>
+      </a:effectStyleLst>
+      <a:bgFillStyleLst>
+        <a:solidFill>
+          <a:schemeClr val="phClr"/>
+        </a:solidFill>
+        <a:gradFill rotWithShape="1">
+          <a:gsLst>
+            <a:gs pos="0">
+              <a:schemeClr val="phClr">
+                <a:tint val="40000"/>
+                <a:satMod val="350000"/>
+              </a:schemeClr>
+            </a:gs>
+            <a:gs pos="40000">
+              <a:schemeClr val="phClr">
+                <a:tint val="45000"/>
+                <a:shade val="99000"/>
+                <a:satMod val="350000"/>
+              </a:schemeClr>
+            </a:gs>
+            <a:gs pos="100000">
+              <a:schemeClr val="phClr">
+                <a:shade val="20000"/>
+                <a:satMod val="255000"/>
+              </a:schemeClr>
+            </a:gs>
+          </a:gsLst>
+          <a:path path="circle">
+            <a:fillToRect l="50000" t="-80000" r="50000" b="180000"/>
+          </a:path>
+        </a:gradFill>
+        <a:gradFill rotWithShape="1">
+          <a:gsLst>
+            <a:gs pos="0">
+              <a:schemeClr val="phClr">
+                <a:tint val="80000"/>
+                <a:satMod val="300000"/>
+              </a:schemeClr>
+            </a:gs>
+            <a:gs pos="100000">
+              <a:schemeClr val="phClr">
+                <a:shade val="30000"/>
+                <a:satMod val="200000"/>
+              </a:schemeClr>
+            </a:gs>
+          </a:gsLst>
+          <a:path path="circle">
+            <a:fillToRect l="50000" t="50000" r="50000" b="50000"/>
+          </a:path>
+        </a:gradFill>
+      </a:bgFillStyleLst>
+    </a:fmtScheme>
+  </a:themeElements>
+  <a:objectDefaults/>
+  <a:extraClrSchemeLst/>
+</a:theme>
 </file>
--- a/PCB/08 report/prototype presentation modle.pptx
+++ b/PCB/08 report/prototype presentation modle.pptx
@@ -5,7 +5,7 @@
     <p:sldMasterId id="2147483660" r:id="rId1"/>
   </p:sldMasterIdLst>
   <p:notesMasterIdLst>
-    <p:notesMasterId r:id="rId10"/>
+    <p:notesMasterId r:id="rId11"/>
   </p:notesMasterIdLst>
   <p:sldIdLst>
     <p:sldId id="256" r:id="rId2"/>
@@ -14,8 +14,9 @@
     <p:sldId id="265" r:id="rId5"/>
     <p:sldId id="264" r:id="rId6"/>
     <p:sldId id="263" r:id="rId7"/>
-    <p:sldId id="260" r:id="rId8"/>
-    <p:sldId id="261" r:id="rId9"/>
+    <p:sldId id="266" r:id="rId8"/>
+    <p:sldId id="260" r:id="rId9"/>
+    <p:sldId id="261" r:id="rId10"/>
   </p:sldIdLst>
   <p:sldSz cx="9144000" cy="6858000" type="screen4x3"/>
   <p:notesSz cx="6858000" cy="9144000"/>
@@ -3444,7 +3445,7 @@
           <a:p>
             <a:fld id="{AD1EC720-F108-4D8D-A12D-DA76B26E6CCE}" type="datetimeFigureOut">
               <a:rPr lang="zh-CN" altLang="en-US" smtClean="0"/>
-              <a:t>2015/9/15</a:t>
+              <a:t>2015/9/16</a:t>
             </a:fld>
             <a:endParaRPr lang="zh-CN" altLang="en-US"/>
           </a:p>
@@ -3796,6 +3797,90 @@
 </p:notes>
 </file>
 
+<file path=ppt/notesSlides/notesSlide2.xml><?xml version="1.0" encoding="utf-8"?>
+<p:notes xmlns:a="http://schemas.openxmlformats.org/drawingml/2006/main" xmlns:r="http://schemas.openxmlformats.org/officeDocument/2006/relationships" xmlns:p="http://schemas.openxmlformats.org/presentationml/2006/main">
+  <p:cSld>
+    <p:spTree>
+      <p:nvGrpSpPr>
+        <p:cNvPr id="1" name=""/>
+        <p:cNvGrpSpPr/>
+        <p:nvPr/>
+      </p:nvGrpSpPr>
+      <p:grpSpPr>
+        <a:xfrm>
+          <a:off x="0" y="0"/>
+          <a:ext cx="0" cy="0"/>
+          <a:chOff x="0" y="0"/>
+          <a:chExt cx="0" cy="0"/>
+        </a:xfrm>
+      </p:grpSpPr>
+      <p:sp>
+        <p:nvSpPr>
+          <p:cNvPr id="2" name="幻灯片图像占位符 1"/>
+          <p:cNvSpPr>
+            <a:spLocks noGrp="1" noRot="1" noChangeAspect="1"/>
+          </p:cNvSpPr>
+          <p:nvPr>
+            <p:ph type="sldImg"/>
+          </p:nvPr>
+        </p:nvSpPr>
+        <p:spPr/>
+      </p:sp>
+      <p:sp>
+        <p:nvSpPr>
+          <p:cNvPr id="3" name="备注占位符 2"/>
+          <p:cNvSpPr>
+            <a:spLocks noGrp="1"/>
+          </p:cNvSpPr>
+          <p:nvPr>
+            <p:ph type="body" idx="1"/>
+          </p:nvPr>
+        </p:nvSpPr>
+        <p:spPr/>
+        <p:txBody>
+          <a:bodyPr/>
+          <a:lstStyle/>
+          <a:p>
+            <a:endParaRPr lang="zh-CN" altLang="en-US" dirty="0"/>
+          </a:p>
+        </p:txBody>
+      </p:sp>
+      <p:sp>
+        <p:nvSpPr>
+          <p:cNvPr id="4" name="灯片编号占位符 3"/>
+          <p:cNvSpPr>
+            <a:spLocks noGrp="1"/>
+          </p:cNvSpPr>
+          <p:nvPr>
+            <p:ph type="sldNum" sz="quarter" idx="10"/>
+          </p:nvPr>
+        </p:nvSpPr>
+        <p:spPr/>
+        <p:txBody>
+          <a:bodyPr/>
+          <a:lstStyle/>
+          <a:p>
+            <a:fld id="{297B9DBA-75C9-4498-B55B-8174C25D2DC8}" type="slidenum">
+              <a:rPr lang="zh-CN" altLang="en-US" smtClean="0"/>
+              <a:t>7</a:t>
+            </a:fld>
+            <a:endParaRPr lang="zh-CN" altLang="en-US"/>
+          </a:p>
+        </p:txBody>
+      </p:sp>
+    </p:spTree>
+    <p:extLst>
+      <p:ext uri="{BB962C8B-B14F-4D97-AF65-F5344CB8AC3E}">
+        <p14:creationId xmlns:p14="http://schemas.microsoft.com/office/powerpoint/2010/main" val="2642841383"/>
+      </p:ext>
+    </p:extLst>
+  </p:cSld>
+  <p:clrMapOvr>
+    <a:masterClrMapping/>
+  </p:clrMapOvr>
+</p:notes>
+</file>
+
 <file path=ppt/slideLayouts/slideLayout1.xml><?xml version="1.0" encoding="utf-8"?>
 <p:sldLayout xmlns:a="http://schemas.openxmlformats.org/drawingml/2006/main" xmlns:r="http://schemas.openxmlformats.org/officeDocument/2006/relationships" xmlns:p="http://schemas.openxmlformats.org/presentationml/2006/main" type="title" preserve="1">
   <p:cSld name="标题幻灯片">
@@ -3830,7 +3915,7 @@
           <a:p>
             <a:fld id="{4251665B-C24A-4702-B522-6A4334602E03}" type="datetimeFigureOut">
               <a:rPr lang="en-US" smtClean="0"/>
-              <a:t>9/15/2015</a:t>
+              <a:t>9/16/2015</a:t>
             </a:fld>
             <a:endParaRPr lang="en-US"/>
           </a:p>
@@ -4587,7 +4672,7 @@
           <a:p>
             <a:fld id="{4251665B-C24A-4702-B522-6A4334602E03}" type="datetimeFigureOut">
               <a:rPr lang="en-US" smtClean="0"/>
-              <a:t>9/15/2015</a:t>
+              <a:t>9/16/2015</a:t>
             </a:fld>
             <a:endParaRPr lang="en-US"/>
           </a:p>
@@ -5211,7 +5296,7 @@
           <a:p>
             <a:fld id="{4251665B-C24A-4702-B522-6A4334602E03}" type="datetimeFigureOut">
               <a:rPr lang="en-US" smtClean="0"/>
-              <a:t>9/15/2015</a:t>
+              <a:t>9/16/2015</a:t>
             </a:fld>
             <a:endParaRPr lang="en-US"/>
           </a:p>
@@ -5634,7 +5719,7 @@
           <a:p>
             <a:fld id="{4251665B-C24A-4702-B522-6A4334602E03}" type="datetimeFigureOut">
               <a:rPr lang="en-US" smtClean="0"/>
-              <a:t>9/15/2015</a:t>
+              <a:t>9/16/2015</a:t>
             </a:fld>
             <a:endParaRPr lang="en-US"/>
           </a:p>
@@ -5811,7 +5896,7 @@
           <a:p>
             <a:fld id="{4251665B-C24A-4702-B522-6A4334602E03}" type="datetimeFigureOut">
               <a:rPr lang="en-US" smtClean="0"/>
-              <a:t>9/15/2015</a:t>
+              <a:t>9/16/2015</a:t>
             </a:fld>
             <a:endParaRPr lang="en-US"/>
           </a:p>
@@ -6628,7 +6713,7 @@
           <a:p>
             <a:fld id="{4251665B-C24A-4702-B522-6A4334602E03}" type="datetimeFigureOut">
               <a:rPr lang="en-US" smtClean="0"/>
-              <a:t>9/15/2015</a:t>
+              <a:t>9/16/2015</a:t>
             </a:fld>
             <a:endParaRPr lang="en-US"/>
           </a:p>
@@ -7139,7 +7224,7 @@
           <a:p>
             <a:fld id="{4251665B-C24A-4702-B522-6A4334602E03}" type="datetimeFigureOut">
               <a:rPr lang="en-US" smtClean="0"/>
-              <a:t>9/15/2015</a:t>
+              <a:t>9/16/2015</a:t>
             </a:fld>
             <a:endParaRPr lang="en-US"/>
           </a:p>
@@ -7372,7 +7457,7 @@
           <a:p>
             <a:fld id="{4251665B-C24A-4702-B522-6A4334602E03}" type="datetimeFigureOut">
               <a:rPr lang="en-US" smtClean="0"/>
-              <a:t>9/15/2015</a:t>
+              <a:t>9/16/2015</a:t>
             </a:fld>
             <a:endParaRPr lang="en-US"/>
           </a:p>
@@ -7897,7 +7982,7 @@
           <a:p>
             <a:fld id="{4251665B-C24A-4702-B522-6A4334602E03}" type="datetimeFigureOut">
               <a:rPr lang="en-US" smtClean="0"/>
-              <a:t>9/15/2015</a:t>
+              <a:t>9/16/2015</a:t>
             </a:fld>
             <a:endParaRPr lang="en-US"/>
           </a:p>
@@ -8032,7 +8117,7 @@
           <a:p>
             <a:fld id="{4251665B-C24A-4702-B522-6A4334602E03}" type="datetimeFigureOut">
               <a:rPr lang="en-US" smtClean="0"/>
-              <a:t>9/15/2015</a:t>
+              <a:t>9/16/2015</a:t>
             </a:fld>
             <a:endParaRPr lang="en-US"/>
           </a:p>
@@ -8930,7 +9015,7 @@
           <a:p>
             <a:fld id="{4251665B-C24A-4702-B522-6A4334602E03}" type="datetimeFigureOut">
               <a:rPr lang="en-US" smtClean="0"/>
-              <a:t>9/15/2015</a:t>
+              <a:t>9/16/2015</a:t>
             </a:fld>
             <a:endParaRPr lang="en-US"/>
           </a:p>
@@ -9053,7 +9138,7 @@
           <a:p>
             <a:fld id="{4251665B-C24A-4702-B522-6A4334602E03}" type="datetimeFigureOut">
               <a:rPr lang="en-US" smtClean="0"/>
-              <a:t>9/15/2015</a:t>
+              <a:t>9/16/2015</a:t>
             </a:fld>
             <a:endParaRPr lang="en-US"/>
           </a:p>
@@ -9937,7 +10022,7 @@
           <a:p>
             <a:fld id="{4251665B-C24A-4702-B522-6A4334602E03}" type="datetimeFigureOut">
               <a:rPr lang="en-US" smtClean="0"/>
-              <a:t>9/15/2015</a:t>
+              <a:t>9/16/2015</a:t>
             </a:fld>
             <a:endParaRPr lang="en-US"/>
           </a:p>
@@ -10585,7 +10670,7 @@
           <a:p>
             <a:fld id="{4251665B-C24A-4702-B522-6A4334602E03}" type="datetimeFigureOut">
               <a:rPr lang="en-US" smtClean="0"/>
-              <a:t>9/15/2015</a:t>
+              <a:t>9/16/2015</a:t>
             </a:fld>
             <a:endParaRPr lang="en-US"/>
           </a:p>
@@ -10901,7 +10986,7 @@
           <a:p>
             <a:fld id="{4251665B-C24A-4702-B522-6A4334602E03}" type="datetimeFigureOut">
               <a:rPr lang="en-US" smtClean="0"/>
-              <a:t>9/15/2015</a:t>
+              <a:t>9/16/2015</a:t>
             </a:fld>
             <a:endParaRPr lang="en-US"/>
           </a:p>
@@ -10991,7 +11076,7 @@
           <a:p>
             <a:fld id="{4251665B-C24A-4702-B522-6A4334602E03}" type="datetimeFigureOut">
               <a:rPr lang="en-US" smtClean="0"/>
-              <a:t>9/15/2015</a:t>
+              <a:t>9/16/2015</a:t>
             </a:fld>
             <a:endParaRPr lang="en-US"/>
           </a:p>
@@ -11319,7 +11404,7 @@
           <a:p>
             <a:fld id="{4251665B-C24A-4702-B522-6A4334602E03}" type="datetimeFigureOut">
               <a:rPr lang="en-US" smtClean="0"/>
-              <a:t>9/15/2015</a:t>
+              <a:t>9/16/2015</a:t>
             </a:fld>
             <a:endParaRPr lang="en-US"/>
           </a:p>
@@ -12210,23 +12295,26 @@
         </p:nvSpPr>
         <p:spPr>
           <a:xfrm>
-            <a:off x="255135" y="1714334"/>
-            <a:ext cx="4572000" cy="923330"/>
+            <a:off x="255133" y="1760501"/>
+            <a:ext cx="7335838" cy="1200329"/>
           </a:xfrm>
           <a:prstGeom prst="rect">
             <a:avLst/>
           </a:prstGeom>
         </p:spPr>
         <p:txBody>
-          <a:bodyPr>
+          <a:bodyPr wrap="square">
             <a:spAutoFit/>
           </a:bodyPr>
           <a:lstStyle/>
           <a:p>
             <a:r>
-              <a:rPr lang="en-US" altLang="zh-CN" sz="3600" b="1" dirty="0"/>
-              <a:t>Daily Scrum</a:t>
-            </a:r>
+              <a:rPr lang="en-US" altLang="zh-CN" sz="3600" dirty="0"/>
+              <a:t>Tracking Progress during the Sprint</a:t>
+            </a:r>
+            <a:br>
+              <a:rPr lang="en-US" altLang="zh-CN" sz="3600" dirty="0"/>
+            </a:br>
             <a:r>
               <a:rPr lang="en-US" altLang="zh-CN" dirty="0"/>
               <a:t/>
@@ -12386,7 +12474,7 @@
         </p:nvSpPr>
         <p:spPr>
           <a:xfrm>
-            <a:off x="2481942" y="2787464"/>
+            <a:off x="2196192" y="2787464"/>
             <a:ext cx="6662058" cy="2585323"/>
           </a:xfrm>
           <a:prstGeom prst="rect">
@@ -12582,7 +12670,7 @@
         </p:nvSpPr>
         <p:spPr>
           <a:xfrm>
-            <a:off x="2387599" y="3048721"/>
+            <a:off x="1879599" y="3048720"/>
             <a:ext cx="6662058" cy="1846659"/>
           </a:xfrm>
           <a:prstGeom prst="rect">
@@ -12626,13 +12714,14 @@
               <a:t>Get </a:t>
             </a:r>
             <a:r>
-              <a:rPr lang="en-US" altLang="zh-CN" sz="3200" dirty="0"/>
-              <a:t>his </a:t>
-            </a:r>
-            <a:r>
               <a:rPr lang="en-US" altLang="zh-CN" sz="3200" dirty="0" smtClean="0"/>
-              <a:t>feedback</a:t>
-            </a:r>
+              <a:t>feedback from product </a:t>
+            </a:r>
+            <a:r>
+              <a:rPr lang="en-US" altLang="zh-CN" sz="3200" dirty="0" err="1" smtClean="0"/>
+              <a:t>ower</a:t>
+            </a:r>
+            <a:endParaRPr lang="en-US" altLang="zh-CN" sz="3200" dirty="0" smtClean="0"/>
           </a:p>
           <a:p>
             <a:pPr marL="285750" indent="-285750">
@@ -12699,6 +12788,197 @@
           <a:p>
             <a:pPr lvl="0" algn="l"/>
             <a:r>
+              <a:rPr lang="en-US" altLang="zh-CN" sz="6000" dirty="0" smtClean="0"/>
+              <a:t>1</a:t>
+            </a:r>
+            <a:r>
+              <a:rPr lang="en-US" altLang="zh-CN" dirty="0" smtClean="0"/>
+              <a:t>.Process </a:t>
+            </a:r>
+            <a:r>
+              <a:rPr lang="en-US" altLang="zh-CN" dirty="0"/>
+              <a:t>of the first sprint</a:t>
+            </a:r>
+            <a:endParaRPr lang="en-GB" altLang="zh-CN" dirty="0"/>
+          </a:p>
+        </p:txBody>
+      </p:sp>
+      <p:sp>
+        <p:nvSpPr>
+          <p:cNvPr id="3" name="矩形 2"/>
+          <p:cNvSpPr/>
+          <p:nvPr/>
+        </p:nvSpPr>
+        <p:spPr>
+          <a:xfrm>
+            <a:off x="284163" y="1799549"/>
+            <a:ext cx="4572000" cy="1138773"/>
+          </a:xfrm>
+          <a:prstGeom prst="rect">
+            <a:avLst/>
+          </a:prstGeom>
+        </p:spPr>
+        <p:txBody>
+          <a:bodyPr>
+            <a:spAutoFit/>
+          </a:bodyPr>
+          <a:lstStyle/>
+          <a:p>
+            <a:r>
+              <a:rPr lang="en-US" altLang="zh-CN" sz="3200" dirty="0"/>
+              <a:t>Sprint Retrospective</a:t>
+            </a:r>
+            <a:br>
+              <a:rPr lang="en-US" altLang="zh-CN" sz="3200" dirty="0"/>
+            </a:br>
+            <a:r>
+              <a:rPr lang="en-US" altLang="zh-CN" dirty="0"/>
+              <a:t/>
+            </a:r>
+            <a:br>
+              <a:rPr lang="en-US" altLang="zh-CN" dirty="0"/>
+            </a:br>
+            <a:endParaRPr lang="zh-CN" altLang="en-US" dirty="0"/>
+          </a:p>
+        </p:txBody>
+      </p:sp>
+      <p:sp>
+        <p:nvSpPr>
+          <p:cNvPr id="4" name="TextBox 3"/>
+          <p:cNvSpPr txBox="1"/>
+          <p:nvPr/>
+        </p:nvSpPr>
+        <p:spPr>
+          <a:xfrm>
+            <a:off x="1690913" y="2938322"/>
+            <a:ext cx="6662058" cy="4062651"/>
+          </a:xfrm>
+          <a:prstGeom prst="rect">
+            <a:avLst/>
+          </a:prstGeom>
+          <a:noFill/>
+        </p:spPr>
+        <p:txBody>
+          <a:bodyPr wrap="square" rtlCol="0">
+            <a:spAutoFit/>
+          </a:bodyPr>
+          <a:lstStyle/>
+          <a:p>
+            <a:pPr marL="285750" indent="-285750">
+              <a:lnSpc>
+                <a:spcPct val="150000"/>
+              </a:lnSpc>
+              <a:buFont typeface="Wingdings" pitchFamily="2" charset="2"/>
+              <a:buChar char="l"/>
+            </a:pPr>
+            <a:r>
+              <a:rPr lang="en-US" altLang="zh-CN" sz="3200" dirty="0"/>
+              <a:t>I</a:t>
+            </a:r>
+            <a:r>
+              <a:rPr lang="en-US" altLang="zh-CN" sz="3200" dirty="0" smtClean="0"/>
+              <a:t>nspect </a:t>
+            </a:r>
+            <a:r>
+              <a:rPr lang="en-US" altLang="zh-CN" sz="3200" dirty="0"/>
+              <a:t>and adapt regarding the </a:t>
+            </a:r>
+            <a:r>
+              <a:rPr lang="en-US" altLang="zh-CN" sz="3200" dirty="0" smtClean="0"/>
+              <a:t>product</a:t>
+            </a:r>
+          </a:p>
+          <a:p>
+            <a:pPr marL="285750" indent="-285750">
+              <a:lnSpc>
+                <a:spcPct val="150000"/>
+              </a:lnSpc>
+              <a:buFont typeface="Wingdings" pitchFamily="2" charset="2"/>
+              <a:buChar char="l"/>
+            </a:pPr>
+            <a:r>
+              <a:rPr lang="en-US" altLang="zh-CN" sz="3200" dirty="0" smtClean="0"/>
+              <a:t>Get feedback from every group </a:t>
+            </a:r>
+            <a:r>
+              <a:rPr lang="en-US" altLang="zh-CN" sz="3200" dirty="0" err="1" smtClean="0"/>
+              <a:t>mumbers</a:t>
+            </a:r>
+            <a:endParaRPr lang="en-US" altLang="zh-CN" sz="3200" dirty="0" smtClean="0"/>
+          </a:p>
+          <a:p>
+            <a:pPr>
+              <a:lnSpc>
+                <a:spcPct val="150000"/>
+              </a:lnSpc>
+            </a:pPr>
+            <a:endParaRPr lang="en-US" altLang="zh-CN" sz="3200" dirty="0" smtClean="0"/>
+          </a:p>
+          <a:p>
+            <a:pPr marL="285750" indent="-285750">
+              <a:buFont typeface="Wingdings" pitchFamily="2" charset="2"/>
+              <a:buChar char="l"/>
+            </a:pPr>
+            <a:endParaRPr lang="zh-CN" altLang="en-US" dirty="0"/>
+          </a:p>
+        </p:txBody>
+      </p:sp>
+    </p:spTree>
+    <p:extLst>
+      <p:ext uri="{BB962C8B-B14F-4D97-AF65-F5344CB8AC3E}">
+        <p14:creationId xmlns:p14="http://schemas.microsoft.com/office/powerpoint/2010/main" val="687061543"/>
+      </p:ext>
+    </p:extLst>
+  </p:cSld>
+  <p:clrMapOvr>
+    <a:masterClrMapping/>
+  </p:clrMapOvr>
+  <p:timing>
+    <p:tnLst>
+      <p:par>
+        <p:cTn id="1" dur="indefinite" restart="never" nodeType="tmRoot"/>
+      </p:par>
+    </p:tnLst>
+  </p:timing>
+</p:sld>
+</file>
+
+<file path=ppt/slides/slide8.xml><?xml version="1.0" encoding="utf-8"?>
+<p:sld xmlns:a="http://schemas.openxmlformats.org/drawingml/2006/main" xmlns:r="http://schemas.openxmlformats.org/officeDocument/2006/relationships" xmlns:p="http://schemas.openxmlformats.org/presentationml/2006/main">
+  <p:cSld>
+    <p:spTree>
+      <p:nvGrpSpPr>
+        <p:cNvPr id="1" name=""/>
+        <p:cNvGrpSpPr/>
+        <p:nvPr/>
+      </p:nvGrpSpPr>
+      <p:grpSpPr>
+        <a:xfrm>
+          <a:off x="0" y="0"/>
+          <a:ext cx="0" cy="0"/>
+          <a:chOff x="0" y="0"/>
+          <a:chExt cx="0" cy="0"/>
+        </a:xfrm>
+      </p:grpSpPr>
+      <p:sp>
+        <p:nvSpPr>
+          <p:cNvPr id="2" name="标题 1"/>
+          <p:cNvSpPr>
+            <a:spLocks noGrp="1"/>
+          </p:cNvSpPr>
+          <p:nvPr>
+            <p:ph type="title"/>
+          </p:nvPr>
+        </p:nvSpPr>
+        <p:spPr/>
+        <p:txBody>
+          <a:bodyPr>
+            <a:normAutofit fontScale="90000"/>
+          </a:bodyPr>
+          <a:lstStyle/>
+          <a:p>
+            <a:pPr lvl="0" algn="l"/>
+            <a:r>
               <a:rPr lang="en-GB" dirty="0" smtClean="0"/>
               <a:t> </a:t>
             </a:r>
@@ -12733,7 +13013,7 @@
 </p:sld>
 </file>
 
-<file path=ppt/slides/slide8.xml><?xml version="1.0" encoding="utf-8"?>
+<file path=ppt/slides/slide9.xml><?xml version="1.0" encoding="utf-8"?>
 <p:sld xmlns:a="http://schemas.openxmlformats.org/drawingml/2006/main" xmlns:r="http://schemas.openxmlformats.org/officeDocument/2006/relationships" xmlns:p="http://schemas.openxmlformats.org/presentationml/2006/main">
   <p:cSld>
     <p:spTree>

--- a/PCB/08 report/prototype presentation modle.pptx
+++ b/PCB/08 report/prototype presentation modle.pptx
@@ -12825,20 +12825,20 @@
           <a:lstStyle/>
           <a:p>
             <a:r>
-              <a:rPr lang="en-US" altLang="zh-CN" sz="3200" dirty="0"/>
+              <a:rPr lang="en-US" altLang="zh-CN" sz="3200" b="1" dirty="0"/>
               <a:t>Sprint Retrospective</a:t>
             </a:r>
             <a:br>
-              <a:rPr lang="en-US" altLang="zh-CN" sz="3200" dirty="0"/>
+              <a:rPr lang="en-US" altLang="zh-CN" sz="3200" b="1" dirty="0"/>
             </a:br>
             <a:r>
-              <a:rPr lang="en-US" altLang="zh-CN" dirty="0"/>
+              <a:rPr lang="en-US" altLang="zh-CN" b="1" dirty="0"/>
               <a:t/>
             </a:r>
             <a:br>
-              <a:rPr lang="en-US" altLang="zh-CN" dirty="0"/>
+              <a:rPr lang="en-US" altLang="zh-CN" b="1" dirty="0"/>
             </a:br>
-            <a:endParaRPr lang="zh-CN" altLang="en-US" dirty="0"/>
+            <a:endParaRPr lang="zh-CN" altLang="en-US" b="1" dirty="0"/>
           </a:p>
         </p:txBody>
       </p:sp>
@@ -12898,13 +12898,8 @@
             </a:pPr>
             <a:r>
               <a:rPr lang="en-US" altLang="zh-CN" sz="3200" dirty="0" smtClean="0"/>
-              <a:t>Get feedback from every group </a:t>
-            </a:r>
-            <a:r>
-              <a:rPr lang="en-US" altLang="zh-CN" sz="3200" dirty="0" err="1" smtClean="0"/>
-              <a:t>mumbers</a:t>
-            </a:r>
-            <a:endParaRPr lang="en-US" altLang="zh-CN" sz="3200" dirty="0" smtClean="0"/>
+              <a:t>Get feedback from every group members</a:t>
+            </a:r>
           </a:p>
           <a:p>
             <a:pPr>
